--- a/geecon-dist/doc/geecon.pptx
+++ b/geecon-dist/doc/geecon.pptx
@@ -212,7 +212,7 @@
           <a:p>
             <a:fld id="{6F40B27F-69FF-49B0-B011-4819825E3C1A}" type="datetimeFigureOut">
               <a:rPr lang="de-DE" smtClean="0"/>
-              <a:t>07.11.2013</a:t>
+              <a:t>08.11.2013</a:t>
             </a:fld>
             <a:endParaRPr lang="de-DE"/>
           </a:p>
@@ -745,7 +745,7 @@
           <a:p>
             <a:fld id="{1BA50D42-C9CD-4801-B293-61D1F53EC57E}" type="datetimeFigureOut">
               <a:rPr lang="de-DE" smtClean="0"/>
-              <a:t>04.11.2013</a:t>
+              <a:t>08.11.2013</a:t>
             </a:fld>
             <a:endParaRPr lang="de-DE"/>
           </a:p>
@@ -910,7 +910,7 @@
           <a:p>
             <a:fld id="{1BA50D42-C9CD-4801-B293-61D1F53EC57E}" type="datetimeFigureOut">
               <a:rPr lang="de-DE" smtClean="0"/>
-              <a:t>04.11.2013</a:t>
+              <a:t>08.11.2013</a:t>
             </a:fld>
             <a:endParaRPr lang="de-DE"/>
           </a:p>
@@ -1118,7 +1118,7 @@
           <a:p>
             <a:fld id="{1BA50D42-C9CD-4801-B293-61D1F53EC57E}" type="datetimeFigureOut">
               <a:rPr lang="de-DE" smtClean="0"/>
-              <a:t>07.11.2013</a:t>
+              <a:t>08.11.2013</a:t>
             </a:fld>
             <a:endParaRPr lang="de-DE"/>
           </a:p>
@@ -1526,11 +1526,7 @@
           <a:p>
             <a:r>
               <a:rPr lang="de-DE" smtClean="0"/>
-              <a:t>geecon      Conferencing </a:t>
-            </a:r>
-            <a:r>
-              <a:rPr lang="de-DE" smtClean="0"/>
-              <a:t>App</a:t>
+              <a:t>geecon      Conferencing App</a:t>
             </a:r>
             <a:endParaRPr lang="de-DE"/>
           </a:p>
@@ -1890,14 +1886,7 @@
                 <a:latin typeface="Courier New" panose="02070309020205020404" pitchFamily="49" charset="0"/>
                 <a:cs typeface="Courier New" panose="02070309020205020404" pitchFamily="49" charset="0"/>
               </a:rPr>
-              <a:t>    var conferenceService </a:t>
-            </a:r>
-            <a:r>
-              <a:rPr lang="de-DE" sz="1600" b="1">
-                <a:latin typeface="Courier New" panose="02070309020205020404" pitchFamily="49" charset="0"/>
-                <a:cs typeface="Courier New" panose="02070309020205020404" pitchFamily="49" charset="0"/>
-              </a:rPr>
-              <a:t>= </a:t>
+              <a:t>    var conferenceService = </a:t>
             </a:r>
             <a:endParaRPr lang="de-DE" sz="1600" b="1" smtClean="0">
               <a:latin typeface="Courier New" panose="02070309020205020404" pitchFamily="49" charset="0"/>
@@ -2043,14 +2032,7 @@
                 <a:latin typeface="Courier New" panose="02070309020205020404" pitchFamily="49" charset="0"/>
                 <a:cs typeface="Courier New" panose="02070309020205020404" pitchFamily="49" charset="0"/>
               </a:rPr>
-              <a:t>geeconApp.controller('HomeController</a:t>
-            </a:r>
-            <a:r>
-              <a:rPr lang="de-DE" sz="1600" b="1">
-                <a:latin typeface="Courier New" panose="02070309020205020404" pitchFamily="49" charset="0"/>
-                <a:cs typeface="Courier New" panose="02070309020205020404" pitchFamily="49" charset="0"/>
-              </a:rPr>
-              <a:t>', </a:t>
+              <a:t>geeconApp.controller('HomeController', </a:t>
             </a:r>
             <a:endParaRPr lang="de-DE" sz="1600" b="1" smtClean="0">
               <a:latin typeface="Courier New" panose="02070309020205020404" pitchFamily="49" charset="0"/>
@@ -2165,14 +2147,7 @@
                 <a:latin typeface="Courier New" panose="02070309020205020404" pitchFamily="49" charset="0"/>
                 <a:cs typeface="Courier New" panose="02070309020205020404" pitchFamily="49" charset="0"/>
               </a:rPr>
-              <a:t>&lt;tbody ng-repeat="conference in </a:t>
-            </a:r>
-            <a:r>
-              <a:rPr lang="en-US" sz="1600" b="1">
-                <a:latin typeface="Courier New" panose="02070309020205020404" pitchFamily="49" charset="0"/>
-                <a:cs typeface="Courier New" panose="02070309020205020404" pitchFamily="49" charset="0"/>
-              </a:rPr>
-              <a:t>conferenceList</a:t>
+              <a:t>&lt;tbody ng-repeat="conference in conferenceList</a:t>
             </a:r>
             <a:r>
               <a:rPr lang="en-US" sz="1600" b="1" smtClean="0">
@@ -2188,28 +2163,14 @@
                 <a:latin typeface="Courier New" panose="02070309020205020404" pitchFamily="49" charset="0"/>
                 <a:cs typeface="Courier New" panose="02070309020205020404" pitchFamily="49" charset="0"/>
               </a:rPr>
-              <a:t>	</a:t>
-            </a:r>
-            <a:r>
-              <a:rPr lang="en-US" sz="1600" b="1" smtClean="0">
-                <a:latin typeface="Courier New" panose="02070309020205020404" pitchFamily="49" charset="0"/>
-                <a:cs typeface="Courier New" panose="02070309020205020404" pitchFamily="49" charset="0"/>
-              </a:rPr>
-              <a:t>&lt;</a:t>
+              <a:t>	&lt;</a:t>
             </a:r>
             <a:r>
               <a:rPr lang="en-US" sz="1600" b="1">
                 <a:latin typeface="Courier New" panose="02070309020205020404" pitchFamily="49" charset="0"/>
                 <a:cs typeface="Courier New" panose="02070309020205020404" pitchFamily="49" charset="0"/>
               </a:rPr>
-              <a:t>td</a:t>
-            </a:r>
-            <a:r>
-              <a:rPr lang="en-US" sz="1600" b="1">
-                <a:latin typeface="Courier New" panose="02070309020205020404" pitchFamily="49" charset="0"/>
-                <a:cs typeface="Courier New" panose="02070309020205020404" pitchFamily="49" charset="0"/>
-              </a:rPr>
-              <a:t>&gt;{{</a:t>
+              <a:t>td&gt;{{</a:t>
             </a:r>
             <a:r>
               <a:rPr lang="en-US" sz="1600" b="1" smtClean="0">
@@ -2415,11 +2376,7 @@
           <a:p>
             <a:r>
               <a:rPr lang="de-DE"/>
-              <a:t>Entities get their name out of the domain model </a:t>
-            </a:r>
-            <a:r>
-              <a:rPr lang="de-DE"/>
-              <a:t>without </a:t>
+              <a:t>Entities get their name out of the domain model without </a:t>
             </a:r>
             <a:r>
               <a:rPr lang="de-DE" smtClean="0"/>
@@ -2441,11 +2398,7 @@
           <a:p>
             <a:r>
               <a:rPr lang="de-DE"/>
-              <a:t>All Service-Interfaces own the </a:t>
-            </a:r>
-            <a:r>
-              <a:rPr lang="de-DE"/>
-              <a:t>suffix </a:t>
+              <a:t>All Service-Interfaces own the suffix </a:t>
             </a:r>
             <a:r>
               <a:rPr lang="de-DE" smtClean="0"/>
@@ -2475,11 +2428,7 @@
             </a:r>
             <a:r>
               <a:rPr lang="de-DE"/>
-              <a:t>own the </a:t>
-            </a:r>
-            <a:r>
-              <a:rPr lang="de-DE"/>
-              <a:t>Suffix </a:t>
+              <a:t>own the Suffix </a:t>
             </a:r>
             <a:r>
               <a:rPr lang="de-DE" smtClean="0"/>
@@ -3176,14 +3125,7 @@
                 <a:latin typeface="Courier New" panose="02070309020205020404" pitchFamily="49" charset="0"/>
                 <a:cs typeface="Courier New" panose="02070309020205020404" pitchFamily="49" charset="0"/>
               </a:rPr>
-              <a:t>&lt;persistence-unit name="</a:t>
-            </a:r>
-            <a:r>
-              <a:rPr lang="de-DE" sz="1600" b="1">
-                <a:latin typeface="Courier New" panose="02070309020205020404" pitchFamily="49" charset="0"/>
-                <a:cs typeface="Courier New" panose="02070309020205020404" pitchFamily="49" charset="0"/>
-              </a:rPr>
-              <a:t>primary</a:t>
+              <a:t>&lt;persistence-unit name="primary</a:t>
             </a:r>
             <a:r>
               <a:rPr lang="de-DE" sz="1600" b="1" smtClean="0">
@@ -3192,10 +3134,6 @@
               </a:rPr>
               <a:t>"&gt;</a:t>
             </a:r>
-            <a:endParaRPr lang="de-DE" sz="1600" b="1" smtClean="0">
-              <a:latin typeface="Courier New" panose="02070309020205020404" pitchFamily="49" charset="0"/>
-              <a:cs typeface="Courier New" panose="02070309020205020404" pitchFamily="49" charset="0"/>
-            </a:endParaRPr>
           </a:p>
           <a:p>
             <a:pPr marL="0" indent="0">
@@ -3213,14 +3151,7 @@
                 <a:latin typeface="Courier New" panose="02070309020205020404" pitchFamily="49" charset="0"/>
                 <a:cs typeface="Courier New" panose="02070309020205020404" pitchFamily="49" charset="0"/>
               </a:rPr>
-              <a:t>&lt;/</a:t>
-            </a:r>
-            <a:r>
-              <a:rPr lang="de-DE" sz="1600" b="1">
-                <a:latin typeface="Courier New" panose="02070309020205020404" pitchFamily="49" charset="0"/>
-                <a:cs typeface="Courier New" panose="02070309020205020404" pitchFamily="49" charset="0"/>
-              </a:rPr>
-              <a:t>jta-data-source</a:t>
+              <a:t>&lt;/jta-data-source</a:t>
             </a:r>
             <a:r>
               <a:rPr lang="de-DE" sz="1600" b="1" smtClean="0">
@@ -3246,14 +3177,7 @@
                 <a:latin typeface="Courier New" panose="02070309020205020404" pitchFamily="49" charset="0"/>
                 <a:cs typeface="Courier New" panose="02070309020205020404" pitchFamily="49" charset="0"/>
               </a:rPr>
-              <a:t>mapping-file&gt;META-INF/named-queries-conference.xml&lt;/</a:t>
-            </a:r>
-            <a:r>
-              <a:rPr lang="de-DE" sz="1600" b="1">
-                <a:latin typeface="Courier New" panose="02070309020205020404" pitchFamily="49" charset="0"/>
-                <a:cs typeface="Courier New" panose="02070309020205020404" pitchFamily="49" charset="0"/>
-              </a:rPr>
-              <a:t>mapping-file</a:t>
+              <a:t>mapping-file&gt;META-INF/named-queries-conference.xml&lt;/mapping-file</a:t>
             </a:r>
             <a:r>
               <a:rPr lang="de-DE" sz="1600" b="1" smtClean="0">
@@ -3279,14 +3203,7 @@
                 <a:latin typeface="Courier New" panose="02070309020205020404" pitchFamily="49" charset="0"/>
                 <a:cs typeface="Courier New" panose="02070309020205020404" pitchFamily="49" charset="0"/>
               </a:rPr>
-              <a:t>mapping-file&gt;META-INF/named-queries-orga.xml&lt;/</a:t>
-            </a:r>
-            <a:r>
-              <a:rPr lang="de-DE" sz="1600" b="1">
-                <a:latin typeface="Courier New" panose="02070309020205020404" pitchFamily="49" charset="0"/>
-                <a:cs typeface="Courier New" panose="02070309020205020404" pitchFamily="49" charset="0"/>
-              </a:rPr>
-              <a:t>mapping-file</a:t>
+              <a:t>mapping-file&gt;META-INF/named-queries-orga.xml&lt;/mapping-file</a:t>
             </a:r>
             <a:r>
               <a:rPr lang="de-DE" sz="1600" b="1" smtClean="0">
@@ -3295,10 +3212,6 @@
               </a:rPr>
               <a:t>&gt;</a:t>
             </a:r>
-            <a:endParaRPr lang="de-DE" sz="1600" b="1" smtClean="0">
-              <a:latin typeface="Courier New" panose="02070309020205020404" pitchFamily="49" charset="0"/>
-              <a:cs typeface="Courier New" panose="02070309020205020404" pitchFamily="49" charset="0"/>
-            </a:endParaRPr>
           </a:p>
           <a:p>
             <a:pPr marL="0" indent="0">
@@ -3316,14 +3229,7 @@
                 <a:latin typeface="Courier New" panose="02070309020205020404" pitchFamily="49" charset="0"/>
                 <a:cs typeface="Courier New" panose="02070309020205020404" pitchFamily="49" charset="0"/>
               </a:rPr>
-              <a:t>jar-file&gt;geecon-ear.ear/lib/geecon-mod-common-api.jar&lt;/</a:t>
-            </a:r>
-            <a:r>
-              <a:rPr lang="de-DE" sz="1600" b="1">
-                <a:latin typeface="Courier New" panose="02070309020205020404" pitchFamily="49" charset="0"/>
-                <a:cs typeface="Courier New" panose="02070309020205020404" pitchFamily="49" charset="0"/>
-              </a:rPr>
-              <a:t>jar-file</a:t>
+              <a:t>jar-file&gt;geecon-ear.ear/lib/geecon-mod-common-api.jar&lt;/jar-file</a:t>
             </a:r>
             <a:r>
               <a:rPr lang="de-DE" sz="1600" b="1" smtClean="0">
@@ -3332,10 +3238,6 @@
               </a:rPr>
               <a:t>&gt;</a:t>
             </a:r>
-            <a:endParaRPr lang="de-DE" sz="1600" b="1" smtClean="0">
-              <a:latin typeface="Courier New" panose="02070309020205020404" pitchFamily="49" charset="0"/>
-              <a:cs typeface="Courier New" panose="02070309020205020404" pitchFamily="49" charset="0"/>
-            </a:endParaRPr>
           </a:p>
           <a:p>
             <a:pPr marL="0" indent="0">
@@ -3353,14 +3255,7 @@
                 <a:latin typeface="Courier New" panose="02070309020205020404" pitchFamily="49" charset="0"/>
                 <a:cs typeface="Courier New" panose="02070309020205020404" pitchFamily="49" charset="0"/>
               </a:rPr>
-              <a:t>jar-file&gt;geecon-ear.ear/lib/geecon-mod-conference-api.jar&lt;/</a:t>
-            </a:r>
-            <a:r>
-              <a:rPr lang="de-DE" sz="1600" b="1">
-                <a:latin typeface="Courier New" panose="02070309020205020404" pitchFamily="49" charset="0"/>
-                <a:cs typeface="Courier New" panose="02070309020205020404" pitchFamily="49" charset="0"/>
-              </a:rPr>
-              <a:t>jar-file</a:t>
+              <a:t>jar-file&gt;geecon-ear.ear/lib/geecon-mod-conference-api.jar&lt;/jar-file</a:t>
             </a:r>
             <a:r>
               <a:rPr lang="de-DE" sz="1600" b="1" smtClean="0">
@@ -3369,10 +3264,6 @@
               </a:rPr>
               <a:t>&gt;</a:t>
             </a:r>
-            <a:endParaRPr lang="de-DE" sz="1600" b="1" smtClean="0">
-              <a:latin typeface="Courier New" panose="02070309020205020404" pitchFamily="49" charset="0"/>
-              <a:cs typeface="Courier New" panose="02070309020205020404" pitchFamily="49" charset="0"/>
-            </a:endParaRPr>
           </a:p>
           <a:p>
             <a:pPr marL="0" indent="0">
@@ -3390,14 +3281,7 @@
                 <a:latin typeface="Courier New" panose="02070309020205020404" pitchFamily="49" charset="0"/>
                 <a:cs typeface="Courier New" panose="02070309020205020404" pitchFamily="49" charset="0"/>
               </a:rPr>
-              <a:t>jar-file&gt;geecon-ear.ear/lib/geecon-mod-orga-api.jar</a:t>
-            </a:r>
-            <a:r>
-              <a:rPr lang="de-DE" sz="1600" b="1">
-                <a:latin typeface="Courier New" panose="02070309020205020404" pitchFamily="49" charset="0"/>
-                <a:cs typeface="Courier New" panose="02070309020205020404" pitchFamily="49" charset="0"/>
-              </a:rPr>
-              <a:t>&lt;/</a:t>
+              <a:t>jar-file&gt;geecon-ear.ear/lib/geecon-mod-orga-api.jar&lt;/</a:t>
             </a:r>
             <a:r>
               <a:rPr lang="de-DE" sz="1600" b="1" smtClean="0">
@@ -8807,11 +8691,7 @@
           <a:p>
             <a:r>
               <a:rPr lang="de-DE" smtClean="0"/>
-              <a:t>Domainmodel </a:t>
-            </a:r>
-            <a:r>
-              <a:rPr lang="de-DE" smtClean="0"/>
-              <a:t>(JPA View)</a:t>
+              <a:t>Domainmodel (JPA View)</a:t>
             </a:r>
             <a:endParaRPr lang="de-DE"/>
           </a:p>
@@ -10726,8 +10606,8 @@
         </p:nvSpPr>
         <p:spPr>
           <a:xfrm>
-            <a:off x="2400630" y="4111685"/>
-            <a:ext cx="985334" cy="276999"/>
+            <a:off x="2267744" y="4111685"/>
+            <a:ext cx="1077026" cy="276999"/>
           </a:xfrm>
           <a:prstGeom prst="rect">
             <a:avLst/>
@@ -10836,7 +10716,7 @@
           <a:p>
             <a:r>
               <a:rPr lang="de-DE" sz="1200" smtClean="0"/>
-              <a:t>@OneToOne</a:t>
+              <a:t>@ManyToOne</a:t>
             </a:r>
             <a:endParaRPr lang="de-DE" sz="1200" dirty="0"/>
           </a:p>
@@ -11441,10 +11321,6 @@
               </a:rPr>
               <a:t>geecon-web</a:t>
             </a:r>
-            <a:endParaRPr lang="de-DE" b="1" smtClean="0">
-              <a:latin typeface="Courier New" panose="02070309020205020404" pitchFamily="49" charset="0"/>
-              <a:cs typeface="Courier New" panose="02070309020205020404" pitchFamily="49" charset="0"/>
-            </a:endParaRPr>
           </a:p>
         </p:txBody>
       </p:sp>
@@ -12533,9 +12409,6 @@
               </a:rPr>
               <a:t>Service.java</a:t>
             </a:r>
-            <a:endParaRPr lang="de-DE" smtClean="0">
-              <a:sym typeface="Symbol"/>
-            </a:endParaRPr>
           </a:p>
           <a:p>
             <a:pPr>
@@ -13003,11 +12876,7 @@
           <a:p>
             <a:r>
               <a:rPr lang="de-DE"/>
-              <a:t>Each component is </a:t>
-            </a:r>
-            <a:r>
-              <a:rPr lang="de-DE"/>
-              <a:t>mainly </a:t>
+              <a:t>Each component is mainly </a:t>
             </a:r>
             <a:r>
               <a:rPr lang="de-DE" smtClean="0"/>
@@ -13015,11 +12884,7 @@
             </a:r>
             <a:r>
               <a:rPr lang="de-DE"/>
-              <a:t>single point </a:t>
-            </a:r>
-            <a:r>
-              <a:rPr lang="de-DE"/>
-              <a:t>of </a:t>
+              <a:t>single point of </a:t>
             </a:r>
             <a:r>
               <a:rPr lang="de-DE" smtClean="0"/>
